--- a/Calendario2025/Presentaciones/4_MediosComunicacion.pptx
+++ b/Calendario2025/Presentaciones/4_MediosComunicacion.pptx
@@ -235,7 +235,7 @@
           <a:p>
             <a:fld id="{2D445F07-8756-451B-A938-0248325FC7BB}" type="datetimeFigureOut">
               <a:rPr lang="es-MX" smtClean="0"/>
-              <a:t>28/10/2024</a:t>
+              <a:t>12/02/2025</a:t>
             </a:fld>
             <a:endParaRPr lang="es-MX" dirty="0"/>
           </a:p>
@@ -1868,7 +1868,7 @@
           <a:p>
             <a:fld id="{5E75A0DC-66C6-4CEC-A5EB-F8C97CEC3796}" type="datetimeFigureOut">
               <a:rPr lang="es-MX" smtClean="0"/>
-              <a:t>28/10/2024</a:t>
+              <a:t>12/02/2025</a:t>
             </a:fld>
             <a:endParaRPr lang="es-MX" dirty="0"/>
           </a:p>
@@ -2038,7 +2038,7 @@
           <a:p>
             <a:fld id="{5E75A0DC-66C6-4CEC-A5EB-F8C97CEC3796}" type="datetimeFigureOut">
               <a:rPr lang="es-MX" smtClean="0"/>
-              <a:t>28/10/2024</a:t>
+              <a:t>12/02/2025</a:t>
             </a:fld>
             <a:endParaRPr lang="es-MX" dirty="0"/>
           </a:p>
@@ -2218,7 +2218,7 @@
           <a:p>
             <a:fld id="{5E75A0DC-66C6-4CEC-A5EB-F8C97CEC3796}" type="datetimeFigureOut">
               <a:rPr lang="es-MX" smtClean="0"/>
-              <a:t>28/10/2024</a:t>
+              <a:t>12/02/2025</a:t>
             </a:fld>
             <a:endParaRPr lang="es-MX" dirty="0"/>
           </a:p>
@@ -2693,7 +2693,7 @@
           <a:p>
             <a:fld id="{5E75A0DC-66C6-4CEC-A5EB-F8C97CEC3796}" type="datetimeFigureOut">
               <a:rPr lang="es-MX" smtClean="0"/>
-              <a:t>28/10/2024</a:t>
+              <a:t>12/02/2025</a:t>
             </a:fld>
             <a:endParaRPr lang="es-MX" dirty="0"/>
           </a:p>
@@ -2939,7 +2939,7 @@
           <a:p>
             <a:fld id="{5E75A0DC-66C6-4CEC-A5EB-F8C97CEC3796}" type="datetimeFigureOut">
               <a:rPr lang="es-MX" smtClean="0"/>
-              <a:t>28/10/2024</a:t>
+              <a:t>12/02/2025</a:t>
             </a:fld>
             <a:endParaRPr lang="es-MX" dirty="0"/>
           </a:p>
@@ -3227,7 +3227,7 @@
           <a:p>
             <a:fld id="{5E75A0DC-66C6-4CEC-A5EB-F8C97CEC3796}" type="datetimeFigureOut">
               <a:rPr lang="es-MX" smtClean="0"/>
-              <a:t>28/10/2024</a:t>
+              <a:t>12/02/2025</a:t>
             </a:fld>
             <a:endParaRPr lang="es-MX" dirty="0"/>
           </a:p>
@@ -3649,7 +3649,7 @@
           <a:p>
             <a:fld id="{5E75A0DC-66C6-4CEC-A5EB-F8C97CEC3796}" type="datetimeFigureOut">
               <a:rPr lang="es-MX" smtClean="0"/>
-              <a:t>28/10/2024</a:t>
+              <a:t>12/02/2025</a:t>
             </a:fld>
             <a:endParaRPr lang="es-MX" dirty="0"/>
           </a:p>
@@ -3767,7 +3767,7 @@
           <a:p>
             <a:fld id="{5E75A0DC-66C6-4CEC-A5EB-F8C97CEC3796}" type="datetimeFigureOut">
               <a:rPr lang="es-MX" smtClean="0"/>
-              <a:t>28/10/2024</a:t>
+              <a:t>12/02/2025</a:t>
             </a:fld>
             <a:endParaRPr lang="es-MX" dirty="0"/>
           </a:p>
@@ -3862,7 +3862,7 @@
           <a:p>
             <a:fld id="{5E75A0DC-66C6-4CEC-A5EB-F8C97CEC3796}" type="datetimeFigureOut">
               <a:rPr lang="es-MX" smtClean="0"/>
-              <a:t>28/10/2024</a:t>
+              <a:t>12/02/2025</a:t>
             </a:fld>
             <a:endParaRPr lang="es-MX" dirty="0"/>
           </a:p>
@@ -4139,7 +4139,7 @@
           <a:p>
             <a:fld id="{5E75A0DC-66C6-4CEC-A5EB-F8C97CEC3796}" type="datetimeFigureOut">
               <a:rPr lang="es-MX" smtClean="0"/>
-              <a:t>28/10/2024</a:t>
+              <a:t>12/02/2025</a:t>
             </a:fld>
             <a:endParaRPr lang="es-MX" dirty="0"/>
           </a:p>
@@ -4392,7 +4392,7 @@
           <a:p>
             <a:fld id="{5E75A0DC-66C6-4CEC-A5EB-F8C97CEC3796}" type="datetimeFigureOut">
               <a:rPr lang="es-MX" smtClean="0"/>
-              <a:t>28/10/2024</a:t>
+              <a:t>12/02/2025</a:t>
             </a:fld>
             <a:endParaRPr lang="es-MX" dirty="0"/>
           </a:p>
@@ -4605,7 +4605,7 @@
           <a:p>
             <a:fld id="{5E75A0DC-66C6-4CEC-A5EB-F8C97CEC3796}" type="datetimeFigureOut">
               <a:rPr lang="es-MX" smtClean="0"/>
-              <a:t>28/10/2024</a:t>
+              <a:t>12/02/2025</a:t>
             </a:fld>
             <a:endParaRPr lang="es-MX" dirty="0"/>
           </a:p>
@@ -11615,8 +11615,8 @@
         </p:nvSpPr>
         <p:spPr bwMode="auto">
           <a:xfrm>
-            <a:off x="2843808" y="1493710"/>
-            <a:ext cx="5000625" cy="880369"/>
+            <a:off x="2894712" y="1320483"/>
+            <a:ext cx="5544616" cy="1034899"/>
           </a:xfrm>
           <a:prstGeom prst="rect">
             <a:avLst/>
@@ -11750,21 +11750,16 @@
           <a:p>
             <a:pPr algn="just" eaLnBrk="1" hangingPunct="1">
               <a:lnSpc>
-                <a:spcPct val="150000"/>
+                <a:spcPts val="2500"/>
               </a:lnSpc>
               <a:buFont typeface="Arial" pitchFamily="34" charset="0"/>
               <a:buChar char="•"/>
             </a:pPr>
             <a:r>
-              <a:rPr lang="es-MX" sz="1800" dirty="0">
-                <a:solidFill>
-                  <a:schemeClr val="bg2">
-                    <a:lumMod val="25000"/>
-                  </a:schemeClr>
-                </a:solidFill>
+              <a:rPr lang="es-MX" sz="1600" dirty="0">
                 <a:latin typeface="ZapfHumnst BT"/>
               </a:rPr>
-              <a:t>Puede propagar más de un modo de luz. Puede tener más de mil modos de propagación de luz.</a:t>
+              <a:t>Puede propagar más de un modo de luz. Puede tener más de mil modos de propagación de luz, lo  cual se traduce en que puede transmitir más tipos de datos.</a:t>
             </a:r>
           </a:p>
         </p:txBody>
@@ -11785,8 +11780,8 @@
         </p:nvSpPr>
         <p:spPr bwMode="auto">
           <a:xfrm>
-            <a:off x="2843807" y="2576273"/>
-            <a:ext cx="5000625" cy="880369"/>
+            <a:off x="2906791" y="3044368"/>
+            <a:ext cx="5570206" cy="714298"/>
           </a:xfrm>
           <a:prstGeom prst="rect">
             <a:avLst/>
@@ -11816,7 +11811,7 @@
           </a:extLst>
         </p:spPr>
         <p:txBody>
-          <a:bodyPr>
+          <a:bodyPr wrap="square">
             <a:spAutoFit/>
           </a:bodyPr>
           <a:lstStyle>
@@ -11920,213 +11915,16 @@
           <a:p>
             <a:pPr algn="just" eaLnBrk="1" hangingPunct="1">
               <a:lnSpc>
-                <a:spcPct val="150000"/>
+                <a:spcPts val="2500"/>
               </a:lnSpc>
               <a:buFont typeface="Arial" pitchFamily="34" charset="0"/>
               <a:buChar char="•"/>
             </a:pPr>
             <a:r>
-              <a:rPr lang="es-MX" sz="1800" dirty="0">
-                <a:solidFill>
-                  <a:schemeClr val="bg2">
-                    <a:lumMod val="25000"/>
-                  </a:schemeClr>
-                </a:solidFill>
+              <a:rPr lang="es-MX" sz="1600" dirty="0">
                 <a:latin typeface="ZapfHumnst BT"/>
               </a:rPr>
-              <a:t>Se usan comúnmente en distancias cortas, como un edificio o un campus.</a:t>
-            </a:r>
-          </a:p>
-        </p:txBody>
-      </p:sp>
-      <p:sp>
-        <p:nvSpPr>
-          <p:cNvPr id="14" name="16 CuadroTexto">
-            <a:extLst>
-              <a:ext uri="{FF2B5EF4-FFF2-40B4-BE49-F238E27FC236}">
-                <a16:creationId xmlns:a16="http://schemas.microsoft.com/office/drawing/2014/main" id="{7F1D3313-FF91-4DB2-87F2-AC8DEF46BDF0}"/>
-              </a:ext>
-            </a:extLst>
-          </p:cNvPr>
-          <p:cNvSpPr txBox="1">
-            <a:spLocks noChangeArrowheads="1"/>
-          </p:cNvSpPr>
-          <p:nvPr/>
-        </p:nvSpPr>
-        <p:spPr bwMode="auto">
-          <a:xfrm>
-            <a:off x="2808088" y="3658836"/>
-            <a:ext cx="5072062" cy="880369"/>
-          </a:xfrm>
-          <a:prstGeom prst="rect">
-            <a:avLst/>
-          </a:prstGeom>
-          <a:noFill/>
-          <a:ln>
-            <a:noFill/>
-          </a:ln>
-          <a:extLst>
-            <a:ext uri="{909E8E84-426E-40DD-AFC4-6F175D3DCCD1}">
-              <a14:hiddenFill xmlns:a14="http://schemas.microsoft.com/office/drawing/2010/main">
-                <a:solidFill>
-                  <a:srgbClr val="FFFFFF"/>
-                </a:solidFill>
-              </a14:hiddenFill>
-            </a:ext>
-            <a:ext uri="{91240B29-F687-4F45-9708-019B960494DF}">
-              <a14:hiddenLine xmlns:a14="http://schemas.microsoft.com/office/drawing/2010/main" w="9525">
-                <a:solidFill>
-                  <a:srgbClr val="000000"/>
-                </a:solidFill>
-                <a:miter lim="800000"/>
-                <a:headEnd/>
-                <a:tailEnd/>
-              </a14:hiddenLine>
-            </a:ext>
-          </a:extLst>
-        </p:spPr>
-        <p:txBody>
-          <a:bodyPr>
-            <a:spAutoFit/>
-          </a:bodyPr>
-          <a:lstStyle>
-            <a:lvl1pPr marL="365125" indent="-365125" eaLnBrk="0" hangingPunct="0">
-              <a:defRPr sz="2400">
-                <a:solidFill>
-                  <a:schemeClr val="tx1"/>
-                </a:solidFill>
-                <a:latin typeface="Times New Roman" pitchFamily="18" charset="0"/>
-              </a:defRPr>
-            </a:lvl1pPr>
-            <a:lvl2pPr marL="742950" indent="-285750" eaLnBrk="0" hangingPunct="0">
-              <a:defRPr sz="2400">
-                <a:solidFill>
-                  <a:schemeClr val="tx1"/>
-                </a:solidFill>
-                <a:latin typeface="Times New Roman" pitchFamily="18" charset="0"/>
-              </a:defRPr>
-            </a:lvl2pPr>
-            <a:lvl3pPr marL="1143000" indent="-228600" eaLnBrk="0" hangingPunct="0">
-              <a:defRPr sz="2400">
-                <a:solidFill>
-                  <a:schemeClr val="tx1"/>
-                </a:solidFill>
-                <a:latin typeface="Times New Roman" pitchFamily="18" charset="0"/>
-              </a:defRPr>
-            </a:lvl3pPr>
-            <a:lvl4pPr marL="1600200" indent="-228600" eaLnBrk="0" hangingPunct="0">
-              <a:defRPr sz="2400">
-                <a:solidFill>
-                  <a:schemeClr val="tx1"/>
-                </a:solidFill>
-                <a:latin typeface="Times New Roman" pitchFamily="18" charset="0"/>
-              </a:defRPr>
-            </a:lvl4pPr>
-            <a:lvl5pPr marL="2057400" indent="-228600" eaLnBrk="0" hangingPunct="0">
-              <a:defRPr sz="2400">
-                <a:solidFill>
-                  <a:schemeClr val="tx1"/>
-                </a:solidFill>
-                <a:latin typeface="Times New Roman" pitchFamily="18" charset="0"/>
-              </a:defRPr>
-            </a:lvl5pPr>
-            <a:lvl6pPr marL="2514600" indent="-228600" eaLnBrk="0" fontAlgn="base" hangingPunct="0">
-              <a:spcBef>
-                <a:spcPct val="0"/>
-              </a:spcBef>
-              <a:spcAft>
-                <a:spcPct val="0"/>
-              </a:spcAft>
-              <a:defRPr sz="2400">
-                <a:solidFill>
-                  <a:schemeClr val="tx1"/>
-                </a:solidFill>
-                <a:latin typeface="Times New Roman" pitchFamily="18" charset="0"/>
-              </a:defRPr>
-            </a:lvl6pPr>
-            <a:lvl7pPr marL="2971800" indent="-228600" eaLnBrk="0" fontAlgn="base" hangingPunct="0">
-              <a:spcBef>
-                <a:spcPct val="0"/>
-              </a:spcBef>
-              <a:spcAft>
-                <a:spcPct val="0"/>
-              </a:spcAft>
-              <a:defRPr sz="2400">
-                <a:solidFill>
-                  <a:schemeClr val="tx1"/>
-                </a:solidFill>
-                <a:latin typeface="Times New Roman" pitchFamily="18" charset="0"/>
-              </a:defRPr>
-            </a:lvl7pPr>
-            <a:lvl8pPr marL="3429000" indent="-228600" eaLnBrk="0" fontAlgn="base" hangingPunct="0">
-              <a:spcBef>
-                <a:spcPct val="0"/>
-              </a:spcBef>
-              <a:spcAft>
-                <a:spcPct val="0"/>
-              </a:spcAft>
-              <a:defRPr sz="2400">
-                <a:solidFill>
-                  <a:schemeClr val="tx1"/>
-                </a:solidFill>
-                <a:latin typeface="Times New Roman" pitchFamily="18" charset="0"/>
-              </a:defRPr>
-            </a:lvl8pPr>
-            <a:lvl9pPr marL="3886200" indent="-228600" eaLnBrk="0" fontAlgn="base" hangingPunct="0">
-              <a:spcBef>
-                <a:spcPct val="0"/>
-              </a:spcBef>
-              <a:spcAft>
-                <a:spcPct val="0"/>
-              </a:spcAft>
-              <a:defRPr sz="2400">
-                <a:solidFill>
-                  <a:schemeClr val="tx1"/>
-                </a:solidFill>
-                <a:latin typeface="Times New Roman" pitchFamily="18" charset="0"/>
-              </a:defRPr>
-            </a:lvl9pPr>
-          </a:lstStyle>
-          <a:p>
-            <a:pPr algn="just" eaLnBrk="1" hangingPunct="1">
-              <a:lnSpc>
-                <a:spcPct val="150000"/>
-              </a:lnSpc>
-              <a:buFont typeface="Arial" pitchFamily="34" charset="0"/>
-              <a:buChar char="•"/>
-            </a:pPr>
-            <a:r>
-              <a:rPr lang="es-MX" sz="1800" dirty="0">
-                <a:solidFill>
-                  <a:schemeClr val="bg2">
-                    <a:lumMod val="25000"/>
-                  </a:schemeClr>
-                </a:solidFill>
-                <a:latin typeface="ZapfHumnst BT"/>
-              </a:rPr>
-              <a:t>Su distancia máxima es de </a:t>
-            </a:r>
-            <a:r>
-              <a:rPr lang="es-MX" sz="1800" b="1" dirty="0">
-                <a:solidFill>
-                  <a:schemeClr val="bg2">
-                    <a:lumMod val="25000"/>
-                  </a:schemeClr>
-                </a:solidFill>
-                <a:latin typeface="ZapfHumnst BT"/>
-              </a:rPr>
-              <a:t>2 km </a:t>
-            </a:r>
-            <a:r>
-              <a:rPr lang="es-MX" sz="1800" dirty="0">
-                <a:solidFill>
-                  <a:schemeClr val="bg2">
-                    <a:lumMod val="25000"/>
-                  </a:schemeClr>
-                </a:solidFill>
-                <a:latin typeface="ZapfHumnst BT"/>
-              </a:rPr>
-              <a:t>y usan diodos láser de baja intensidad. Para distancias cortas.</a:t>
+              <a:t>Se usan para la transmisión de datos a alta velocidad en distancias cortas, como un edificio o un campus. </a:t>
             </a:r>
           </a:p>
         </p:txBody>
@@ -12153,7 +11951,7 @@
         </p:blipFill>
         <p:spPr>
           <a:xfrm>
-            <a:off x="5796136" y="4874200"/>
+            <a:off x="5706687" y="4835985"/>
             <a:ext cx="2781300" cy="1809750"/>
           </a:xfrm>
           <a:prstGeom prst="rect">
@@ -12161,6 +11959,348 @@
           </a:prstGeom>
         </p:spPr>
       </p:pic>
+      <p:sp>
+        <p:nvSpPr>
+          <p:cNvPr id="5" name="13 CuadroTexto">
+            <a:extLst>
+              <a:ext uri="{FF2B5EF4-FFF2-40B4-BE49-F238E27FC236}">
+                <a16:creationId xmlns:a16="http://schemas.microsoft.com/office/drawing/2014/main" id="{5D1A3D94-755B-E00C-BD47-5C078C3280A6}"/>
+              </a:ext>
+            </a:extLst>
+          </p:cNvPr>
+          <p:cNvSpPr txBox="1">
+            <a:spLocks noChangeArrowheads="1"/>
+          </p:cNvSpPr>
+          <p:nvPr/>
+        </p:nvSpPr>
+        <p:spPr bwMode="auto">
+          <a:xfrm>
+            <a:off x="2894712" y="2353438"/>
+            <a:ext cx="5544616" cy="714298"/>
+          </a:xfrm>
+          <a:prstGeom prst="rect">
+            <a:avLst/>
+          </a:prstGeom>
+          <a:noFill/>
+          <a:ln>
+            <a:noFill/>
+          </a:ln>
+          <a:extLst>
+            <a:ext uri="{909E8E84-426E-40DD-AFC4-6F175D3DCCD1}">
+              <a14:hiddenFill xmlns:a14="http://schemas.microsoft.com/office/drawing/2010/main">
+                <a:solidFill>
+                  <a:srgbClr val="FFFFFF"/>
+                </a:solidFill>
+              </a14:hiddenFill>
+            </a:ext>
+            <a:ext uri="{91240B29-F687-4F45-9708-019B960494DF}">
+              <a14:hiddenLine xmlns:a14="http://schemas.microsoft.com/office/drawing/2010/main" w="9525">
+                <a:solidFill>
+                  <a:srgbClr val="000000"/>
+                </a:solidFill>
+                <a:miter lim="800000"/>
+                <a:headEnd/>
+                <a:tailEnd/>
+              </a14:hiddenLine>
+            </a:ext>
+          </a:extLst>
+        </p:spPr>
+        <p:txBody>
+          <a:bodyPr wrap="square">
+            <a:spAutoFit/>
+          </a:bodyPr>
+          <a:lstStyle>
+            <a:lvl1pPr marL="365125" indent="-365125" eaLnBrk="0" hangingPunct="0">
+              <a:defRPr sz="2400">
+                <a:solidFill>
+                  <a:schemeClr val="tx1"/>
+                </a:solidFill>
+                <a:latin typeface="Times New Roman" pitchFamily="18" charset="0"/>
+              </a:defRPr>
+            </a:lvl1pPr>
+            <a:lvl2pPr marL="742950" indent="-285750" eaLnBrk="0" hangingPunct="0">
+              <a:defRPr sz="2400">
+                <a:solidFill>
+                  <a:schemeClr val="tx1"/>
+                </a:solidFill>
+                <a:latin typeface="Times New Roman" pitchFamily="18" charset="0"/>
+              </a:defRPr>
+            </a:lvl2pPr>
+            <a:lvl3pPr marL="1143000" indent="-228600" eaLnBrk="0" hangingPunct="0">
+              <a:defRPr sz="2400">
+                <a:solidFill>
+                  <a:schemeClr val="tx1"/>
+                </a:solidFill>
+                <a:latin typeface="Times New Roman" pitchFamily="18" charset="0"/>
+              </a:defRPr>
+            </a:lvl3pPr>
+            <a:lvl4pPr marL="1600200" indent="-228600" eaLnBrk="0" hangingPunct="0">
+              <a:defRPr sz="2400">
+                <a:solidFill>
+                  <a:schemeClr val="tx1"/>
+                </a:solidFill>
+                <a:latin typeface="Times New Roman" pitchFamily="18" charset="0"/>
+              </a:defRPr>
+            </a:lvl4pPr>
+            <a:lvl5pPr marL="2057400" indent="-228600" eaLnBrk="0" hangingPunct="0">
+              <a:defRPr sz="2400">
+                <a:solidFill>
+                  <a:schemeClr val="tx1"/>
+                </a:solidFill>
+                <a:latin typeface="Times New Roman" pitchFamily="18" charset="0"/>
+              </a:defRPr>
+            </a:lvl5pPr>
+            <a:lvl6pPr marL="2514600" indent="-228600" eaLnBrk="0" fontAlgn="base" hangingPunct="0">
+              <a:spcBef>
+                <a:spcPct val="0"/>
+              </a:spcBef>
+              <a:spcAft>
+                <a:spcPct val="0"/>
+              </a:spcAft>
+              <a:defRPr sz="2400">
+                <a:solidFill>
+                  <a:schemeClr val="tx1"/>
+                </a:solidFill>
+                <a:latin typeface="Times New Roman" pitchFamily="18" charset="0"/>
+              </a:defRPr>
+            </a:lvl6pPr>
+            <a:lvl7pPr marL="2971800" indent="-228600" eaLnBrk="0" fontAlgn="base" hangingPunct="0">
+              <a:spcBef>
+                <a:spcPct val="0"/>
+              </a:spcBef>
+              <a:spcAft>
+                <a:spcPct val="0"/>
+              </a:spcAft>
+              <a:defRPr sz="2400">
+                <a:solidFill>
+                  <a:schemeClr val="tx1"/>
+                </a:solidFill>
+                <a:latin typeface="Times New Roman" pitchFamily="18" charset="0"/>
+              </a:defRPr>
+            </a:lvl7pPr>
+            <a:lvl8pPr marL="3429000" indent="-228600" eaLnBrk="0" fontAlgn="base" hangingPunct="0">
+              <a:spcBef>
+                <a:spcPct val="0"/>
+              </a:spcBef>
+              <a:spcAft>
+                <a:spcPct val="0"/>
+              </a:spcAft>
+              <a:defRPr sz="2400">
+                <a:solidFill>
+                  <a:schemeClr val="tx1"/>
+                </a:solidFill>
+                <a:latin typeface="Times New Roman" pitchFamily="18" charset="0"/>
+              </a:defRPr>
+            </a:lvl8pPr>
+            <a:lvl9pPr marL="3886200" indent="-228600" eaLnBrk="0" fontAlgn="base" hangingPunct="0">
+              <a:spcBef>
+                <a:spcPct val="0"/>
+              </a:spcBef>
+              <a:spcAft>
+                <a:spcPct val="0"/>
+              </a:spcAft>
+              <a:defRPr sz="2400">
+                <a:solidFill>
+                  <a:schemeClr val="tx1"/>
+                </a:solidFill>
+                <a:latin typeface="Times New Roman" pitchFamily="18" charset="0"/>
+              </a:defRPr>
+            </a:lvl9pPr>
+          </a:lstStyle>
+          <a:p>
+            <a:pPr algn="just" eaLnBrk="1" hangingPunct="1">
+              <a:lnSpc>
+                <a:spcPts val="2500"/>
+              </a:lnSpc>
+              <a:buFont typeface="Arial" pitchFamily="34" charset="0"/>
+              <a:buChar char="•"/>
+            </a:pPr>
+            <a:r>
+              <a:rPr lang="es-MX" sz="1600" dirty="0">
+                <a:latin typeface="ZapfHumnst BT"/>
+              </a:rPr>
+              <a:t>Es una opción perfecta para aplicaciones generales de voz y datos.</a:t>
+            </a:r>
+          </a:p>
+        </p:txBody>
+      </p:sp>
+      <p:sp>
+        <p:nvSpPr>
+          <p:cNvPr id="6" name="15 CuadroTexto">
+            <a:extLst>
+              <a:ext uri="{FF2B5EF4-FFF2-40B4-BE49-F238E27FC236}">
+                <a16:creationId xmlns:a16="http://schemas.microsoft.com/office/drawing/2014/main" id="{498219BC-36EA-5E37-0188-7D4B518AE2EF}"/>
+              </a:ext>
+            </a:extLst>
+          </p:cNvPr>
+          <p:cNvSpPr txBox="1">
+            <a:spLocks noChangeArrowheads="1"/>
+          </p:cNvSpPr>
+          <p:nvPr/>
+        </p:nvSpPr>
+        <p:spPr bwMode="auto">
+          <a:xfrm>
+            <a:off x="2894712" y="3801086"/>
+            <a:ext cx="5570206" cy="1034899"/>
+          </a:xfrm>
+          <a:prstGeom prst="rect">
+            <a:avLst/>
+          </a:prstGeom>
+          <a:noFill/>
+          <a:ln>
+            <a:noFill/>
+          </a:ln>
+          <a:extLst>
+            <a:ext uri="{909E8E84-426E-40DD-AFC4-6F175D3DCCD1}">
+              <a14:hiddenFill xmlns:a14="http://schemas.microsoft.com/office/drawing/2010/main">
+                <a:solidFill>
+                  <a:srgbClr val="FFFFFF"/>
+                </a:solidFill>
+              </a14:hiddenFill>
+            </a:ext>
+            <a:ext uri="{91240B29-F687-4F45-9708-019B960494DF}">
+              <a14:hiddenLine xmlns:a14="http://schemas.microsoft.com/office/drawing/2010/main" w="9525">
+                <a:solidFill>
+                  <a:srgbClr val="000000"/>
+                </a:solidFill>
+                <a:miter lim="800000"/>
+                <a:headEnd/>
+                <a:tailEnd/>
+              </a14:hiddenLine>
+            </a:ext>
+          </a:extLst>
+        </p:spPr>
+        <p:txBody>
+          <a:bodyPr wrap="square">
+            <a:spAutoFit/>
+          </a:bodyPr>
+          <a:lstStyle>
+            <a:lvl1pPr marL="365125" indent="-365125" eaLnBrk="0" hangingPunct="0">
+              <a:defRPr sz="2400">
+                <a:solidFill>
+                  <a:schemeClr val="tx1"/>
+                </a:solidFill>
+                <a:latin typeface="Times New Roman" pitchFamily="18" charset="0"/>
+              </a:defRPr>
+            </a:lvl1pPr>
+            <a:lvl2pPr marL="742950" indent="-285750" eaLnBrk="0" hangingPunct="0">
+              <a:defRPr sz="2400">
+                <a:solidFill>
+                  <a:schemeClr val="tx1"/>
+                </a:solidFill>
+                <a:latin typeface="Times New Roman" pitchFamily="18" charset="0"/>
+              </a:defRPr>
+            </a:lvl2pPr>
+            <a:lvl3pPr marL="1143000" indent="-228600" eaLnBrk="0" hangingPunct="0">
+              <a:defRPr sz="2400">
+                <a:solidFill>
+                  <a:schemeClr val="tx1"/>
+                </a:solidFill>
+                <a:latin typeface="Times New Roman" pitchFamily="18" charset="0"/>
+              </a:defRPr>
+            </a:lvl3pPr>
+            <a:lvl4pPr marL="1600200" indent="-228600" eaLnBrk="0" hangingPunct="0">
+              <a:defRPr sz="2400">
+                <a:solidFill>
+                  <a:schemeClr val="tx1"/>
+                </a:solidFill>
+                <a:latin typeface="Times New Roman" pitchFamily="18" charset="0"/>
+              </a:defRPr>
+            </a:lvl4pPr>
+            <a:lvl5pPr marL="2057400" indent="-228600" eaLnBrk="0" hangingPunct="0">
+              <a:defRPr sz="2400">
+                <a:solidFill>
+                  <a:schemeClr val="tx1"/>
+                </a:solidFill>
+                <a:latin typeface="Times New Roman" pitchFamily="18" charset="0"/>
+              </a:defRPr>
+            </a:lvl5pPr>
+            <a:lvl6pPr marL="2514600" indent="-228600" eaLnBrk="0" fontAlgn="base" hangingPunct="0">
+              <a:spcBef>
+                <a:spcPct val="0"/>
+              </a:spcBef>
+              <a:spcAft>
+                <a:spcPct val="0"/>
+              </a:spcAft>
+              <a:defRPr sz="2400">
+                <a:solidFill>
+                  <a:schemeClr val="tx1"/>
+                </a:solidFill>
+                <a:latin typeface="Times New Roman" pitchFamily="18" charset="0"/>
+              </a:defRPr>
+            </a:lvl6pPr>
+            <a:lvl7pPr marL="2971800" indent="-228600" eaLnBrk="0" fontAlgn="base" hangingPunct="0">
+              <a:spcBef>
+                <a:spcPct val="0"/>
+              </a:spcBef>
+              <a:spcAft>
+                <a:spcPct val="0"/>
+              </a:spcAft>
+              <a:defRPr sz="2400">
+                <a:solidFill>
+                  <a:schemeClr val="tx1"/>
+                </a:solidFill>
+                <a:latin typeface="Times New Roman" pitchFamily="18" charset="0"/>
+              </a:defRPr>
+            </a:lvl7pPr>
+            <a:lvl8pPr marL="3429000" indent="-228600" eaLnBrk="0" fontAlgn="base" hangingPunct="0">
+              <a:spcBef>
+                <a:spcPct val="0"/>
+              </a:spcBef>
+              <a:spcAft>
+                <a:spcPct val="0"/>
+              </a:spcAft>
+              <a:defRPr sz="2400">
+                <a:solidFill>
+                  <a:schemeClr val="tx1"/>
+                </a:solidFill>
+                <a:latin typeface="Times New Roman" pitchFamily="18" charset="0"/>
+              </a:defRPr>
+            </a:lvl8pPr>
+            <a:lvl9pPr marL="3886200" indent="-228600" eaLnBrk="0" fontAlgn="base" hangingPunct="0">
+              <a:spcBef>
+                <a:spcPct val="0"/>
+              </a:spcBef>
+              <a:spcAft>
+                <a:spcPct val="0"/>
+              </a:spcAft>
+              <a:defRPr sz="2400">
+                <a:solidFill>
+                  <a:schemeClr val="tx1"/>
+                </a:solidFill>
+                <a:latin typeface="Times New Roman" pitchFamily="18" charset="0"/>
+              </a:defRPr>
+            </a:lvl9pPr>
+          </a:lstStyle>
+          <a:p>
+            <a:pPr algn="just" eaLnBrk="1" hangingPunct="1">
+              <a:lnSpc>
+                <a:spcPts val="2500"/>
+              </a:lnSpc>
+              <a:buFont typeface="Arial" pitchFamily="34" charset="0"/>
+              <a:buChar char="•"/>
+            </a:pPr>
+            <a:r>
+              <a:rPr lang="es-MX" sz="1600" dirty="0">
+                <a:latin typeface="ZapfHumnst BT"/>
+              </a:rPr>
+              <a:t>Su distancia máxima es de </a:t>
+            </a:r>
+            <a:r>
+              <a:rPr lang="es-MX" sz="1600" b="1" dirty="0">
+                <a:latin typeface="ZapfHumnst BT"/>
+              </a:rPr>
+              <a:t>2 km</a:t>
+            </a:r>
+            <a:r>
+              <a:rPr lang="es-MX" sz="1600" dirty="0">
+                <a:latin typeface="ZapfHumnst BT"/>
+              </a:rPr>
+              <a:t>, debido a las interferencias entre las diferentes ondas de luz que pueden distorsionar los datos a grandes distancias.</a:t>
+            </a:r>
+          </a:p>
+        </p:txBody>
+      </p:sp>
     </p:spTree>
     <p:extLst>
       <p:ext uri="{BB962C8B-B14F-4D97-AF65-F5344CB8AC3E}">
@@ -12351,7 +12491,7 @@
                             </p:stCondLst>
                             <p:childTnLst>
                               <p:par>
-                                <p:cTn id="20" presetID="4" presetClass="entr" presetSubtype="16" fill="hold" grpId="0" nodeType="clickEffect">
+                                <p:cTn id="20" presetID="1" presetClass="entr" presetSubtype="0" fill="hold" nodeType="clickEffect">
                                   <p:stCondLst>
                                     <p:cond delay="0"/>
                                   </p:stCondLst>
@@ -12359,59 +12499,6 @@
                                     <p:set>
                                       <p:cBhvr>
                                         <p:cTn id="21" dur="1" fill="hold">
-                                          <p:stCondLst>
-                                            <p:cond delay="0"/>
-                                          </p:stCondLst>
-                                        </p:cTn>
-                                        <p:tgtEl>
-                                          <p:spTgt spid="14"/>
-                                        </p:tgtEl>
-                                        <p:attrNameLst>
-                                          <p:attrName>style.visibility</p:attrName>
-                                        </p:attrNameLst>
-                                      </p:cBhvr>
-                                      <p:to>
-                                        <p:strVal val="visible"/>
-                                      </p:to>
-                                    </p:set>
-                                    <p:animEffect transition="in" filter="box(in)">
-                                      <p:cBhvr>
-                                        <p:cTn id="22" dur="500"/>
-                                        <p:tgtEl>
-                                          <p:spTgt spid="14"/>
-                                        </p:tgtEl>
-                                      </p:cBhvr>
-                                    </p:animEffect>
-                                  </p:childTnLst>
-                                </p:cTn>
-                              </p:par>
-                            </p:childTnLst>
-                          </p:cTn>
-                        </p:par>
-                      </p:childTnLst>
-                    </p:cTn>
-                  </p:par>
-                  <p:par>
-                    <p:cTn id="23" fill="hold">
-                      <p:stCondLst>
-                        <p:cond delay="indefinite"/>
-                      </p:stCondLst>
-                      <p:childTnLst>
-                        <p:par>
-                          <p:cTn id="24" fill="hold">
-                            <p:stCondLst>
-                              <p:cond delay="0"/>
-                            </p:stCondLst>
-                            <p:childTnLst>
-                              <p:par>
-                                <p:cTn id="25" presetID="1" presetClass="entr" presetSubtype="0" fill="hold" nodeType="clickEffect">
-                                  <p:stCondLst>
-                                    <p:cond delay="0"/>
-                                  </p:stCondLst>
-                                  <p:childTnLst>
-                                    <p:set>
-                                      <p:cBhvr>
-                                        <p:cTn id="26" dur="1" fill="hold">
                                           <p:stCondLst>
                                             <p:cond delay="0"/>
                                           </p:stCondLst>
@@ -12427,6 +12514,112 @@
                                         <p:strVal val="visible"/>
                                       </p:to>
                                     </p:set>
+                                  </p:childTnLst>
+                                </p:cTn>
+                              </p:par>
+                            </p:childTnLst>
+                          </p:cTn>
+                        </p:par>
+                      </p:childTnLst>
+                    </p:cTn>
+                  </p:par>
+                  <p:par>
+                    <p:cTn id="22" fill="hold">
+                      <p:stCondLst>
+                        <p:cond delay="indefinite"/>
+                      </p:stCondLst>
+                      <p:childTnLst>
+                        <p:par>
+                          <p:cTn id="23" fill="hold">
+                            <p:stCondLst>
+                              <p:cond delay="0"/>
+                            </p:stCondLst>
+                            <p:childTnLst>
+                              <p:par>
+                                <p:cTn id="24" presetID="4" presetClass="entr" presetSubtype="16" fill="hold" grpId="0" nodeType="clickEffect">
+                                  <p:stCondLst>
+                                    <p:cond delay="0"/>
+                                  </p:stCondLst>
+                                  <p:childTnLst>
+                                    <p:set>
+                                      <p:cBhvr>
+                                        <p:cTn id="25" dur="1" fill="hold">
+                                          <p:stCondLst>
+                                            <p:cond delay="0"/>
+                                          </p:stCondLst>
+                                        </p:cTn>
+                                        <p:tgtEl>
+                                          <p:spTgt spid="5"/>
+                                        </p:tgtEl>
+                                        <p:attrNameLst>
+                                          <p:attrName>style.visibility</p:attrName>
+                                        </p:attrNameLst>
+                                      </p:cBhvr>
+                                      <p:to>
+                                        <p:strVal val="visible"/>
+                                      </p:to>
+                                    </p:set>
+                                    <p:animEffect transition="in" filter="box(in)">
+                                      <p:cBhvr>
+                                        <p:cTn id="26" dur="500"/>
+                                        <p:tgtEl>
+                                          <p:spTgt spid="5"/>
+                                        </p:tgtEl>
+                                      </p:cBhvr>
+                                    </p:animEffect>
+                                  </p:childTnLst>
+                                </p:cTn>
+                              </p:par>
+                            </p:childTnLst>
+                          </p:cTn>
+                        </p:par>
+                      </p:childTnLst>
+                    </p:cTn>
+                  </p:par>
+                  <p:par>
+                    <p:cTn id="27" fill="hold">
+                      <p:stCondLst>
+                        <p:cond delay="indefinite"/>
+                      </p:stCondLst>
+                      <p:childTnLst>
+                        <p:par>
+                          <p:cTn id="28" fill="hold">
+                            <p:stCondLst>
+                              <p:cond delay="0"/>
+                            </p:stCondLst>
+                            <p:childTnLst>
+                              <p:par>
+                                <p:cTn id="29" presetID="4" presetClass="entr" presetSubtype="16" fill="hold" grpId="0" nodeType="clickEffect">
+                                  <p:stCondLst>
+                                    <p:cond delay="0"/>
+                                  </p:stCondLst>
+                                  <p:childTnLst>
+                                    <p:set>
+                                      <p:cBhvr>
+                                        <p:cTn id="30" dur="1" fill="hold">
+                                          <p:stCondLst>
+                                            <p:cond delay="0"/>
+                                          </p:stCondLst>
+                                        </p:cTn>
+                                        <p:tgtEl>
+                                          <p:spTgt spid="6"/>
+                                        </p:tgtEl>
+                                        <p:attrNameLst>
+                                          <p:attrName>style.visibility</p:attrName>
+                                        </p:attrNameLst>
+                                      </p:cBhvr>
+                                      <p:to>
+                                        <p:strVal val="visible"/>
+                                      </p:to>
+                                    </p:set>
+                                    <p:animEffect transition="in" filter="box(in)">
+                                      <p:cBhvr>
+                                        <p:cTn id="31" dur="500"/>
+                                        <p:tgtEl>
+                                          <p:spTgt spid="6"/>
+                                        </p:tgtEl>
+                                      </p:cBhvr>
+                                    </p:animEffect>
                                   </p:childTnLst>
                                 </p:cTn>
                               </p:par>
@@ -12461,7 +12654,8 @@
       <p:bldP spid="11" grpId="0"/>
       <p:bldP spid="10" grpId="0"/>
       <p:bldP spid="13" grpId="0"/>
-      <p:bldP spid="14" grpId="0"/>
+      <p:bldP spid="5" grpId="0"/>
+      <p:bldP spid="6" grpId="0"/>
     </p:bldLst>
   </p:timing>
 </p:sld>
